--- a/21 Schema Notes/Internet of Things/Module 1/Module1 PPT.pptx
+++ b/21 Schema Notes/Internet of Things/Module 1/Module1 PPT.pptx
@@ -244,7 +244,7 @@
               <a:rPr lang="en-US" smtClean="0">
                 <a:latin typeface="Futura Cyrillic Book" panose="020B0502020204020303" charset="0"/>
               </a:rPr>
-              <a:t>9/25/2024</a:t>
+              <a:t>17-Oct-24</a:t>
             </a:fld>
             <a:endParaRPr lang="en-US">
               <a:latin typeface="Futura Cyrillic Book" panose="020B0502020204020303" charset="0"/>
@@ -421,7 +421,7 @@
           <a:p>
             <a:fld id="{0ECD8AD1-49EC-45F2-A2FF-1FE3195688C5}" type="datetimeFigureOut">
               <a:rPr lang="en-IN" smtClean="0"/>
-              <a:t>25-09-2024</a:t>
+              <a:t>17-10-2024</a:t>
             </a:fld>
             <a:endParaRPr lang="en-IN"/>
           </a:p>
@@ -2869,7 +2869,7 @@
           <a:p>
             <a:fld id="{4EF95999-A99C-46D6-BFDA-AEFA180EA74F}" type="datetimeFigureOut">
               <a:rPr lang="en-US" smtClean="0"/>
-              <a:t>9/25/2024</a:t>
+              <a:t>17-Oct-24</a:t>
             </a:fld>
             <a:endParaRPr lang="en-US"/>
           </a:p>
@@ -3032,7 +3032,7 @@
           <a:p>
             <a:fld id="{4EF95999-A99C-46D6-BFDA-AEFA180EA74F}" type="datetimeFigureOut">
               <a:rPr lang="en-US" smtClean="0"/>
-              <a:t>9/25/2024</a:t>
+              <a:t>17-Oct-24</a:t>
             </a:fld>
             <a:endParaRPr lang="en-US"/>
           </a:p>
@@ -3205,7 +3205,7 @@
           <a:p>
             <a:fld id="{4EF95999-A99C-46D6-BFDA-AEFA180EA74F}" type="datetimeFigureOut">
               <a:rPr lang="en-US" smtClean="0"/>
-              <a:t>9/25/2024</a:t>
+              <a:t>17-Oct-24</a:t>
             </a:fld>
             <a:endParaRPr lang="en-US"/>
           </a:p>
@@ -3374,7 +3374,7 @@
           <a:p>
             <a:fld id="{EC281ACE-890E-4B55-88CA-A440D73ED3A3}" type="datetimeFigureOut">
               <a:rPr lang="en-US" smtClean="0"/>
-              <a:t>9/25/2024</a:t>
+              <a:t>17-Oct-24</a:t>
             </a:fld>
             <a:endParaRPr lang="en-US"/>
           </a:p>
@@ -3590,7 +3590,7 @@
           <a:p>
             <a:fld id="{36B80835-DEB3-4275-B379-2566D87801AD}" type="datetimeFigureOut">
               <a:rPr lang="en-US" smtClean="0"/>
-              <a:t>9/25/2024</a:t>
+              <a:t>17-Oct-24</a:t>
             </a:fld>
             <a:endParaRPr lang="en-US"/>
           </a:p>
@@ -3753,7 +3753,7 @@
           <a:p>
             <a:fld id="{36B80835-DEB3-4275-B379-2566D87801AD}" type="datetimeFigureOut">
               <a:rPr lang="en-US" smtClean="0"/>
-              <a:t>9/25/2024</a:t>
+              <a:t>17-Oct-24</a:t>
             </a:fld>
             <a:endParaRPr lang="en-US"/>
           </a:p>
@@ -3993,7 +3993,7 @@
           <a:p>
             <a:fld id="{36B80835-DEB3-4275-B379-2566D87801AD}" type="datetimeFigureOut">
               <a:rPr lang="en-US" smtClean="0"/>
-              <a:t>9/25/2024</a:t>
+              <a:t>17-Oct-24</a:t>
             </a:fld>
             <a:endParaRPr lang="en-US"/>
           </a:p>
@@ -4217,7 +4217,7 @@
           <a:p>
             <a:fld id="{36B80835-DEB3-4275-B379-2566D87801AD}" type="datetimeFigureOut">
               <a:rPr lang="en-US" smtClean="0"/>
-              <a:t>9/25/2024</a:t>
+              <a:t>17-Oct-24</a:t>
             </a:fld>
             <a:endParaRPr lang="en-US"/>
           </a:p>
@@ -4576,7 +4576,7 @@
           <a:p>
             <a:fld id="{36B80835-DEB3-4275-B379-2566D87801AD}" type="datetimeFigureOut">
               <a:rPr lang="en-US" smtClean="0"/>
-              <a:t>9/25/2024</a:t>
+              <a:t>17-Oct-24</a:t>
             </a:fld>
             <a:endParaRPr lang="en-US"/>
           </a:p>
@@ -4688,7 +4688,7 @@
           <a:p>
             <a:fld id="{36B80835-DEB3-4275-B379-2566D87801AD}" type="datetimeFigureOut">
               <a:rPr lang="en-US" smtClean="0"/>
-              <a:t>9/25/2024</a:t>
+              <a:t>17-Oct-24</a:t>
             </a:fld>
             <a:endParaRPr lang="en-US"/>
           </a:p>
@@ -4778,7 +4778,7 @@
           <a:p>
             <a:fld id="{36B80835-DEB3-4275-B379-2566D87801AD}" type="datetimeFigureOut">
               <a:rPr lang="en-US" smtClean="0"/>
-              <a:t>9/25/2024</a:t>
+              <a:t>17-Oct-24</a:t>
             </a:fld>
             <a:endParaRPr lang="en-US"/>
           </a:p>
@@ -4941,7 +4941,7 @@
           <a:p>
             <a:fld id="{4EF95999-A99C-46D6-BFDA-AEFA180EA74F}" type="datetimeFigureOut">
               <a:rPr lang="en-US" smtClean="0"/>
-              <a:t>9/25/2024</a:t>
+              <a:t>17-Oct-24</a:t>
             </a:fld>
             <a:endParaRPr lang="en-US"/>
           </a:p>
@@ -5211,7 +5211,7 @@
           <a:p>
             <a:fld id="{36B80835-DEB3-4275-B379-2566D87801AD}" type="datetimeFigureOut">
               <a:rPr lang="en-US" smtClean="0"/>
-              <a:t>9/25/2024</a:t>
+              <a:t>17-Oct-24</a:t>
             </a:fld>
             <a:endParaRPr lang="en-US"/>
           </a:p>
@@ -5458,7 +5458,7 @@
           <a:p>
             <a:fld id="{36B80835-DEB3-4275-B379-2566D87801AD}" type="datetimeFigureOut">
               <a:rPr lang="en-US" smtClean="0"/>
-              <a:t>9/25/2024</a:t>
+              <a:t>17-Oct-24</a:t>
             </a:fld>
             <a:endParaRPr lang="en-US"/>
           </a:p>
@@ -5621,7 +5621,7 @@
           <a:p>
             <a:fld id="{36B80835-DEB3-4275-B379-2566D87801AD}" type="datetimeFigureOut">
               <a:rPr lang="en-US" smtClean="0"/>
-              <a:t>9/25/2024</a:t>
+              <a:t>17-Oct-24</a:t>
             </a:fld>
             <a:endParaRPr lang="en-US"/>
           </a:p>
@@ -5794,7 +5794,7 @@
           <a:p>
             <a:fld id="{36B80835-DEB3-4275-B379-2566D87801AD}" type="datetimeFigureOut">
               <a:rPr lang="en-US" smtClean="0"/>
-              <a:t>9/25/2024</a:t>
+              <a:t>17-Oct-24</a:t>
             </a:fld>
             <a:endParaRPr lang="en-US"/>
           </a:p>
@@ -5979,7 +5979,7 @@
           <a:p>
             <a:fld id="{4EF95999-A99C-46D6-BFDA-AEFA180EA74F}" type="datetimeFigureOut">
               <a:rPr lang="en-US" smtClean="0"/>
-              <a:t>9/25/2024</a:t>
+              <a:t>17-Oct-24</a:t>
             </a:fld>
             <a:endParaRPr lang="en-US"/>
           </a:p>
@@ -6142,7 +6142,7 @@
           <a:p>
             <a:fld id="{4EF95999-A99C-46D6-BFDA-AEFA180EA74F}" type="datetimeFigureOut">
               <a:rPr lang="en-US" smtClean="0"/>
-              <a:t>9/25/2024</a:t>
+              <a:t>17-Oct-24</a:t>
             </a:fld>
             <a:endParaRPr lang="en-US"/>
           </a:p>
@@ -6382,7 +6382,7 @@
           <a:p>
             <a:fld id="{4EF95999-A99C-46D6-BFDA-AEFA180EA74F}" type="datetimeFigureOut">
               <a:rPr lang="en-US" smtClean="0"/>
-              <a:t>9/25/2024</a:t>
+              <a:t>17-Oct-24</a:t>
             </a:fld>
             <a:endParaRPr lang="en-US"/>
           </a:p>
@@ -6606,7 +6606,7 @@
           <a:p>
             <a:fld id="{4EF95999-A99C-46D6-BFDA-AEFA180EA74F}" type="datetimeFigureOut">
               <a:rPr lang="en-US" smtClean="0"/>
-              <a:t>9/25/2024</a:t>
+              <a:t>17-Oct-24</a:t>
             </a:fld>
             <a:endParaRPr lang="en-US"/>
           </a:p>
@@ -6965,7 +6965,7 @@
           <a:p>
             <a:fld id="{4EF95999-A99C-46D6-BFDA-AEFA180EA74F}" type="datetimeFigureOut">
               <a:rPr lang="en-US" smtClean="0"/>
-              <a:t>9/25/2024</a:t>
+              <a:t>17-Oct-24</a:t>
             </a:fld>
             <a:endParaRPr lang="en-US"/>
           </a:p>
@@ -7077,7 +7077,7 @@
           <a:p>
             <a:fld id="{4EF95999-A99C-46D6-BFDA-AEFA180EA74F}" type="datetimeFigureOut">
               <a:rPr lang="en-US" smtClean="0"/>
-              <a:t>9/25/2024</a:t>
+              <a:t>17-Oct-24</a:t>
             </a:fld>
             <a:endParaRPr lang="en-US"/>
           </a:p>
@@ -7317,7 +7317,7 @@
           <a:p>
             <a:fld id="{4EF95999-A99C-46D6-BFDA-AEFA180EA74F}" type="datetimeFigureOut">
               <a:rPr lang="en-US" smtClean="0"/>
-              <a:t>9/25/2024</a:t>
+              <a:t>17-Oct-24</a:t>
             </a:fld>
             <a:endParaRPr lang="en-US"/>
           </a:p>
@@ -7407,7 +7407,7 @@
           <a:p>
             <a:fld id="{4EF95999-A99C-46D6-BFDA-AEFA180EA74F}" type="datetimeFigureOut">
               <a:rPr lang="en-US" smtClean="0"/>
-              <a:t>9/25/2024</a:t>
+              <a:t>17-Oct-24</a:t>
             </a:fld>
             <a:endParaRPr lang="en-US"/>
           </a:p>
@@ -7677,7 +7677,7 @@
           <a:p>
             <a:fld id="{4EF95999-A99C-46D6-BFDA-AEFA180EA74F}" type="datetimeFigureOut">
               <a:rPr lang="en-US" smtClean="0"/>
-              <a:t>9/25/2024</a:t>
+              <a:t>17-Oct-24</a:t>
             </a:fld>
             <a:endParaRPr lang="en-US"/>
           </a:p>
@@ -7924,7 +7924,7 @@
           <a:p>
             <a:fld id="{4EF95999-A99C-46D6-BFDA-AEFA180EA74F}" type="datetimeFigureOut">
               <a:rPr lang="en-US" smtClean="0"/>
-              <a:t>9/25/2024</a:t>
+              <a:t>17-Oct-24</a:t>
             </a:fld>
             <a:endParaRPr lang="en-US"/>
           </a:p>
@@ -8087,7 +8087,7 @@
           <a:p>
             <a:fld id="{4EF95999-A99C-46D6-BFDA-AEFA180EA74F}" type="datetimeFigureOut">
               <a:rPr lang="en-US" smtClean="0"/>
-              <a:t>9/25/2024</a:t>
+              <a:t>17-Oct-24</a:t>
             </a:fld>
             <a:endParaRPr lang="en-US"/>
           </a:p>
@@ -8260,7 +8260,7 @@
           <a:p>
             <a:fld id="{4EF95999-A99C-46D6-BFDA-AEFA180EA74F}" type="datetimeFigureOut">
               <a:rPr lang="en-US" smtClean="0"/>
-              <a:t>9/25/2024</a:t>
+              <a:t>17-Oct-24</a:t>
             </a:fld>
             <a:endParaRPr lang="en-US"/>
           </a:p>
@@ -8429,7 +8429,7 @@
           <a:p>
             <a:fld id="{EC281ACE-890E-4B55-88CA-A440D73ED3A3}" type="datetimeFigureOut">
               <a:rPr lang="en-US" smtClean="0"/>
-              <a:t>9/25/2024</a:t>
+              <a:t>17-Oct-24</a:t>
             </a:fld>
             <a:endParaRPr lang="en-US"/>
           </a:p>
@@ -8647,7 +8647,7 @@
           <a:p>
             <a:fld id="{4EF95999-A99C-46D6-BFDA-AEFA180EA74F}" type="datetimeFigureOut">
               <a:rPr lang="en-US" smtClean="0"/>
-              <a:t>9/25/2024</a:t>
+              <a:t>17-Oct-24</a:t>
             </a:fld>
             <a:endParaRPr lang="en-US"/>
           </a:p>
@@ -8817,7 +8817,7 @@
           <a:p>
             <a:fld id="{4EF95999-A99C-46D6-BFDA-AEFA180EA74F}" type="datetimeFigureOut">
               <a:rPr lang="en-US" smtClean="0"/>
-              <a:t>9/25/2024</a:t>
+              <a:t>17-Oct-24</a:t>
             </a:fld>
             <a:endParaRPr lang="en-US"/>
           </a:p>
@@ -9063,7 +9063,7 @@
           <a:p>
             <a:fld id="{4EF95999-A99C-46D6-BFDA-AEFA180EA74F}" type="datetimeFigureOut">
               <a:rPr lang="en-US" smtClean="0"/>
-              <a:t>9/25/2024</a:t>
+              <a:t>17-Oct-24</a:t>
             </a:fld>
             <a:endParaRPr lang="en-US"/>
           </a:p>
@@ -9295,7 +9295,7 @@
           <a:p>
             <a:fld id="{4EF95999-A99C-46D6-BFDA-AEFA180EA74F}" type="datetimeFigureOut">
               <a:rPr lang="en-US" smtClean="0"/>
-              <a:t>9/25/2024</a:t>
+              <a:t>17-Oct-24</a:t>
             </a:fld>
             <a:endParaRPr lang="en-US"/>
           </a:p>
@@ -9524,7 +9524,7 @@
           <a:p>
             <a:fld id="{4EF95999-A99C-46D6-BFDA-AEFA180EA74F}" type="datetimeFigureOut">
               <a:rPr lang="en-US" smtClean="0"/>
-              <a:t>9/25/2024</a:t>
+              <a:t>17-Oct-24</a:t>
             </a:fld>
             <a:endParaRPr lang="en-US"/>
           </a:p>
@@ -9886,7 +9886,7 @@
           <a:p>
             <a:fld id="{4EF95999-A99C-46D6-BFDA-AEFA180EA74F}" type="datetimeFigureOut">
               <a:rPr lang="en-US" smtClean="0"/>
-              <a:t>9/25/2024</a:t>
+              <a:t>17-Oct-24</a:t>
             </a:fld>
             <a:endParaRPr lang="en-US"/>
           </a:p>
@@ -10004,7 +10004,7 @@
           <a:p>
             <a:fld id="{4EF95999-A99C-46D6-BFDA-AEFA180EA74F}" type="datetimeFigureOut">
               <a:rPr lang="en-US" smtClean="0"/>
-              <a:t>9/25/2024</a:t>
+              <a:t>17-Oct-24</a:t>
             </a:fld>
             <a:endParaRPr lang="en-US"/>
           </a:p>
@@ -10099,7 +10099,7 @@
           <a:p>
             <a:fld id="{4EF95999-A99C-46D6-BFDA-AEFA180EA74F}" type="datetimeFigureOut">
               <a:rPr lang="en-US" smtClean="0"/>
-              <a:t>9/25/2024</a:t>
+              <a:t>17-Oct-24</a:t>
             </a:fld>
             <a:endParaRPr lang="en-US"/>
           </a:p>
@@ -10376,7 +10376,7 @@
           <a:p>
             <a:fld id="{4EF95999-A99C-46D6-BFDA-AEFA180EA74F}" type="datetimeFigureOut">
               <a:rPr lang="en-US" smtClean="0"/>
-              <a:t>9/25/2024</a:t>
+              <a:t>17-Oct-24</a:t>
             </a:fld>
             <a:endParaRPr lang="en-US"/>
           </a:p>
@@ -10633,7 +10633,7 @@
           <a:p>
             <a:fld id="{4EF95999-A99C-46D6-BFDA-AEFA180EA74F}" type="datetimeFigureOut">
               <a:rPr lang="en-US" smtClean="0"/>
-              <a:t>9/25/2024</a:t>
+              <a:t>17-Oct-24</a:t>
             </a:fld>
             <a:endParaRPr lang="en-US"/>
           </a:p>
@@ -10803,7 +10803,7 @@
           <a:p>
             <a:fld id="{4EF95999-A99C-46D6-BFDA-AEFA180EA74F}" type="datetimeFigureOut">
               <a:rPr lang="en-US" smtClean="0"/>
-              <a:t>9/25/2024</a:t>
+              <a:t>17-Oct-24</a:t>
             </a:fld>
             <a:endParaRPr lang="en-US"/>
           </a:p>
@@ -10983,7 +10983,7 @@
           <a:p>
             <a:fld id="{4EF95999-A99C-46D6-BFDA-AEFA180EA74F}" type="datetimeFigureOut">
               <a:rPr lang="en-US" smtClean="0"/>
-              <a:t>9/25/2024</a:t>
+              <a:t>17-Oct-24</a:t>
             </a:fld>
             <a:endParaRPr lang="en-US"/>
           </a:p>
@@ -11347,7 +11347,7 @@
           <a:p>
             <a:fld id="{4EF95999-A99C-46D6-BFDA-AEFA180EA74F}" type="datetimeFigureOut">
               <a:rPr lang="en-US" smtClean="0"/>
-              <a:t>9/25/2024</a:t>
+              <a:t>17-Oct-24</a:t>
             </a:fld>
             <a:endParaRPr lang="en-US"/>
           </a:p>
@@ -11459,7 +11459,7 @@
           <a:p>
             <a:fld id="{4EF95999-A99C-46D6-BFDA-AEFA180EA74F}" type="datetimeFigureOut">
               <a:rPr lang="en-US" smtClean="0"/>
-              <a:t>9/25/2024</a:t>
+              <a:t>17-Oct-24</a:t>
             </a:fld>
             <a:endParaRPr lang="en-US"/>
           </a:p>
@@ -11549,7 +11549,7 @@
           <a:p>
             <a:fld id="{4EF95999-A99C-46D6-BFDA-AEFA180EA74F}" type="datetimeFigureOut">
               <a:rPr lang="en-US" smtClean="0"/>
-              <a:t>9/25/2024</a:t>
+              <a:t>17-Oct-24</a:t>
             </a:fld>
             <a:endParaRPr lang="en-US"/>
           </a:p>
@@ -11819,7 +11819,7 @@
           <a:p>
             <a:fld id="{4EF95999-A99C-46D6-BFDA-AEFA180EA74F}" type="datetimeFigureOut">
               <a:rPr lang="en-US" smtClean="0"/>
-              <a:t>9/25/2024</a:t>
+              <a:t>17-Oct-24</a:t>
             </a:fld>
             <a:endParaRPr lang="en-US"/>
           </a:p>
@@ -12066,7 +12066,7 @@
           <a:p>
             <a:fld id="{4EF95999-A99C-46D6-BFDA-AEFA180EA74F}" type="datetimeFigureOut">
               <a:rPr lang="en-US" smtClean="0"/>
-              <a:t>9/25/2024</a:t>
+              <a:t>17-Oct-24</a:t>
             </a:fld>
             <a:endParaRPr lang="en-US"/>
           </a:p>
@@ -12273,7 +12273,7 @@
           <a:p>
             <a:fld id="{4EF95999-A99C-46D6-BFDA-AEFA180EA74F}" type="datetimeFigureOut">
               <a:rPr lang="en-US" smtClean="0"/>
-              <a:t>9/25/2024</a:t>
+              <a:t>17-Oct-24</a:t>
             </a:fld>
             <a:endParaRPr lang="en-US"/>
           </a:p>
@@ -12810,7 +12810,7 @@
           <a:p>
             <a:fld id="{36B80835-DEB3-4275-B379-2566D87801AD}" type="datetimeFigureOut">
               <a:rPr lang="en-US" smtClean="0"/>
-              <a:t>9/25/2024</a:t>
+              <a:t>17-Oct-24</a:t>
             </a:fld>
             <a:endParaRPr lang="en-US"/>
           </a:p>
@@ -13346,7 +13346,7 @@
           <a:p>
             <a:fld id="{4EF95999-A99C-46D6-BFDA-AEFA180EA74F}" type="datetimeFigureOut">
               <a:rPr lang="en-US" smtClean="0"/>
-              <a:t>9/25/2024</a:t>
+              <a:t>17-Oct-24</a:t>
             </a:fld>
             <a:endParaRPr lang="en-US"/>
           </a:p>
@@ -13884,7 +13884,7 @@
           <a:p>
             <a:fld id="{4EF95999-A99C-46D6-BFDA-AEFA180EA74F}" type="datetimeFigureOut">
               <a:rPr lang="en-US" smtClean="0"/>
-              <a:t>9/25/2024</a:t>
+              <a:t>17-Oct-24</a:t>
             </a:fld>
             <a:endParaRPr lang="en-US"/>
           </a:p>
@@ -22044,9 +22044,21 @@
           <a:p>
             <a:r>
               <a:rPr lang="en-US" dirty="0"/>
-              <a:t>The technologies that laid the foundation of connected systems by achieving easy integration to daily lives, popular public acceptance, and massive benefits by using connected solutions can be considered as the founding solutions for the development of IoT</a:t>
-            </a:r>
-            <a:endParaRPr lang="en-IN" dirty="0"/>
+              <a:t>The technologies that laid the foundation of connected </a:t>
+            </a:r>
+            <a:r>
+              <a:rPr lang="en-US" dirty="0">
+                <a:highlight>
+                  <a:srgbClr val="FFFF00"/>
+                </a:highlight>
+              </a:rPr>
+              <a:t>systems by achieving easy integration to daily lives, popular public acceptance, and massive benefits by using connected solutions can be considered as the founding solutions for the development of IoT</a:t>
+            </a:r>
+            <a:endParaRPr lang="en-IN" dirty="0">
+              <a:highlight>
+                <a:srgbClr val="FFFF00"/>
+              </a:highlight>
+            </a:endParaRPr>
           </a:p>
         </p:txBody>
       </p:sp>

--- a/21 Schema Notes/Internet of Things/Module 1/Module1 PPT.pptx
+++ b/21 Schema Notes/Internet of Things/Module 1/Module1 PPT.pptx
@@ -244,7 +244,7 @@
               <a:rPr lang="en-US" smtClean="0">
                 <a:latin typeface="Futura Cyrillic Book" panose="020B0502020204020303" charset="0"/>
               </a:rPr>
-              <a:t>17-Oct-24</a:t>
+              <a:t>23-Oct-24</a:t>
             </a:fld>
             <a:endParaRPr lang="en-US">
               <a:latin typeface="Futura Cyrillic Book" panose="020B0502020204020303" charset="0"/>
@@ -421,7 +421,7 @@
           <a:p>
             <a:fld id="{0ECD8AD1-49EC-45F2-A2FF-1FE3195688C5}" type="datetimeFigureOut">
               <a:rPr lang="en-IN" smtClean="0"/>
-              <a:t>17-10-2024</a:t>
+              <a:t>23-10-2024</a:t>
             </a:fld>
             <a:endParaRPr lang="en-IN"/>
           </a:p>
@@ -2869,7 +2869,7 @@
           <a:p>
             <a:fld id="{4EF95999-A99C-46D6-BFDA-AEFA180EA74F}" type="datetimeFigureOut">
               <a:rPr lang="en-US" smtClean="0"/>
-              <a:t>17-Oct-24</a:t>
+              <a:t>23-Oct-24</a:t>
             </a:fld>
             <a:endParaRPr lang="en-US"/>
           </a:p>
@@ -3032,7 +3032,7 @@
           <a:p>
             <a:fld id="{4EF95999-A99C-46D6-BFDA-AEFA180EA74F}" type="datetimeFigureOut">
               <a:rPr lang="en-US" smtClean="0"/>
-              <a:t>17-Oct-24</a:t>
+              <a:t>23-Oct-24</a:t>
             </a:fld>
             <a:endParaRPr lang="en-US"/>
           </a:p>
@@ -3205,7 +3205,7 @@
           <a:p>
             <a:fld id="{4EF95999-A99C-46D6-BFDA-AEFA180EA74F}" type="datetimeFigureOut">
               <a:rPr lang="en-US" smtClean="0"/>
-              <a:t>17-Oct-24</a:t>
+              <a:t>23-Oct-24</a:t>
             </a:fld>
             <a:endParaRPr lang="en-US"/>
           </a:p>
@@ -3374,7 +3374,7 @@
           <a:p>
             <a:fld id="{EC281ACE-890E-4B55-88CA-A440D73ED3A3}" type="datetimeFigureOut">
               <a:rPr lang="en-US" smtClean="0"/>
-              <a:t>17-Oct-24</a:t>
+              <a:t>23-Oct-24</a:t>
             </a:fld>
             <a:endParaRPr lang="en-US"/>
           </a:p>
@@ -3590,7 +3590,7 @@
           <a:p>
             <a:fld id="{36B80835-DEB3-4275-B379-2566D87801AD}" type="datetimeFigureOut">
               <a:rPr lang="en-US" smtClean="0"/>
-              <a:t>17-Oct-24</a:t>
+              <a:t>23-Oct-24</a:t>
             </a:fld>
             <a:endParaRPr lang="en-US"/>
           </a:p>
@@ -3753,7 +3753,7 @@
           <a:p>
             <a:fld id="{36B80835-DEB3-4275-B379-2566D87801AD}" type="datetimeFigureOut">
               <a:rPr lang="en-US" smtClean="0"/>
-              <a:t>17-Oct-24</a:t>
+              <a:t>23-Oct-24</a:t>
             </a:fld>
             <a:endParaRPr lang="en-US"/>
           </a:p>
@@ -3993,7 +3993,7 @@
           <a:p>
             <a:fld id="{36B80835-DEB3-4275-B379-2566D87801AD}" type="datetimeFigureOut">
               <a:rPr lang="en-US" smtClean="0"/>
-              <a:t>17-Oct-24</a:t>
+              <a:t>23-Oct-24</a:t>
             </a:fld>
             <a:endParaRPr lang="en-US"/>
           </a:p>
@@ -4217,7 +4217,7 @@
           <a:p>
             <a:fld id="{36B80835-DEB3-4275-B379-2566D87801AD}" type="datetimeFigureOut">
               <a:rPr lang="en-US" smtClean="0"/>
-              <a:t>17-Oct-24</a:t>
+              <a:t>23-Oct-24</a:t>
             </a:fld>
             <a:endParaRPr lang="en-US"/>
           </a:p>
@@ -4576,7 +4576,7 @@
           <a:p>
             <a:fld id="{36B80835-DEB3-4275-B379-2566D87801AD}" type="datetimeFigureOut">
               <a:rPr lang="en-US" smtClean="0"/>
-              <a:t>17-Oct-24</a:t>
+              <a:t>23-Oct-24</a:t>
             </a:fld>
             <a:endParaRPr lang="en-US"/>
           </a:p>
@@ -4688,7 +4688,7 @@
           <a:p>
             <a:fld id="{36B80835-DEB3-4275-B379-2566D87801AD}" type="datetimeFigureOut">
               <a:rPr lang="en-US" smtClean="0"/>
-              <a:t>17-Oct-24</a:t>
+              <a:t>23-Oct-24</a:t>
             </a:fld>
             <a:endParaRPr lang="en-US"/>
           </a:p>
@@ -4778,7 +4778,7 @@
           <a:p>
             <a:fld id="{36B80835-DEB3-4275-B379-2566D87801AD}" type="datetimeFigureOut">
               <a:rPr lang="en-US" smtClean="0"/>
-              <a:t>17-Oct-24</a:t>
+              <a:t>23-Oct-24</a:t>
             </a:fld>
             <a:endParaRPr lang="en-US"/>
           </a:p>
@@ -4941,7 +4941,7 @@
           <a:p>
             <a:fld id="{4EF95999-A99C-46D6-BFDA-AEFA180EA74F}" type="datetimeFigureOut">
               <a:rPr lang="en-US" smtClean="0"/>
-              <a:t>17-Oct-24</a:t>
+              <a:t>23-Oct-24</a:t>
             </a:fld>
             <a:endParaRPr lang="en-US"/>
           </a:p>
@@ -5211,7 +5211,7 @@
           <a:p>
             <a:fld id="{36B80835-DEB3-4275-B379-2566D87801AD}" type="datetimeFigureOut">
               <a:rPr lang="en-US" smtClean="0"/>
-              <a:t>17-Oct-24</a:t>
+              <a:t>23-Oct-24</a:t>
             </a:fld>
             <a:endParaRPr lang="en-US"/>
           </a:p>
@@ -5458,7 +5458,7 @@
           <a:p>
             <a:fld id="{36B80835-DEB3-4275-B379-2566D87801AD}" type="datetimeFigureOut">
               <a:rPr lang="en-US" smtClean="0"/>
-              <a:t>17-Oct-24</a:t>
+              <a:t>23-Oct-24</a:t>
             </a:fld>
             <a:endParaRPr lang="en-US"/>
           </a:p>
@@ -5621,7 +5621,7 @@
           <a:p>
             <a:fld id="{36B80835-DEB3-4275-B379-2566D87801AD}" type="datetimeFigureOut">
               <a:rPr lang="en-US" smtClean="0"/>
-              <a:t>17-Oct-24</a:t>
+              <a:t>23-Oct-24</a:t>
             </a:fld>
             <a:endParaRPr lang="en-US"/>
           </a:p>
@@ -5794,7 +5794,7 @@
           <a:p>
             <a:fld id="{36B80835-DEB3-4275-B379-2566D87801AD}" type="datetimeFigureOut">
               <a:rPr lang="en-US" smtClean="0"/>
-              <a:t>17-Oct-24</a:t>
+              <a:t>23-Oct-24</a:t>
             </a:fld>
             <a:endParaRPr lang="en-US"/>
           </a:p>
@@ -5979,7 +5979,7 @@
           <a:p>
             <a:fld id="{4EF95999-A99C-46D6-BFDA-AEFA180EA74F}" type="datetimeFigureOut">
               <a:rPr lang="en-US" smtClean="0"/>
-              <a:t>17-Oct-24</a:t>
+              <a:t>23-Oct-24</a:t>
             </a:fld>
             <a:endParaRPr lang="en-US"/>
           </a:p>
@@ -6142,7 +6142,7 @@
           <a:p>
             <a:fld id="{4EF95999-A99C-46D6-BFDA-AEFA180EA74F}" type="datetimeFigureOut">
               <a:rPr lang="en-US" smtClean="0"/>
-              <a:t>17-Oct-24</a:t>
+              <a:t>23-Oct-24</a:t>
             </a:fld>
             <a:endParaRPr lang="en-US"/>
           </a:p>
@@ -6382,7 +6382,7 @@
           <a:p>
             <a:fld id="{4EF95999-A99C-46D6-BFDA-AEFA180EA74F}" type="datetimeFigureOut">
               <a:rPr lang="en-US" smtClean="0"/>
-              <a:t>17-Oct-24</a:t>
+              <a:t>23-Oct-24</a:t>
             </a:fld>
             <a:endParaRPr lang="en-US"/>
           </a:p>
@@ -6606,7 +6606,7 @@
           <a:p>
             <a:fld id="{4EF95999-A99C-46D6-BFDA-AEFA180EA74F}" type="datetimeFigureOut">
               <a:rPr lang="en-US" smtClean="0"/>
-              <a:t>17-Oct-24</a:t>
+              <a:t>23-Oct-24</a:t>
             </a:fld>
             <a:endParaRPr lang="en-US"/>
           </a:p>
@@ -6965,7 +6965,7 @@
           <a:p>
             <a:fld id="{4EF95999-A99C-46D6-BFDA-AEFA180EA74F}" type="datetimeFigureOut">
               <a:rPr lang="en-US" smtClean="0"/>
-              <a:t>17-Oct-24</a:t>
+              <a:t>23-Oct-24</a:t>
             </a:fld>
             <a:endParaRPr lang="en-US"/>
           </a:p>
@@ -7077,7 +7077,7 @@
           <a:p>
             <a:fld id="{4EF95999-A99C-46D6-BFDA-AEFA180EA74F}" type="datetimeFigureOut">
               <a:rPr lang="en-US" smtClean="0"/>
-              <a:t>17-Oct-24</a:t>
+              <a:t>23-Oct-24</a:t>
             </a:fld>
             <a:endParaRPr lang="en-US"/>
           </a:p>
@@ -7317,7 +7317,7 @@
           <a:p>
             <a:fld id="{4EF95999-A99C-46D6-BFDA-AEFA180EA74F}" type="datetimeFigureOut">
               <a:rPr lang="en-US" smtClean="0"/>
-              <a:t>17-Oct-24</a:t>
+              <a:t>23-Oct-24</a:t>
             </a:fld>
             <a:endParaRPr lang="en-US"/>
           </a:p>
@@ -7407,7 +7407,7 @@
           <a:p>
             <a:fld id="{4EF95999-A99C-46D6-BFDA-AEFA180EA74F}" type="datetimeFigureOut">
               <a:rPr lang="en-US" smtClean="0"/>
-              <a:t>17-Oct-24</a:t>
+              <a:t>23-Oct-24</a:t>
             </a:fld>
             <a:endParaRPr lang="en-US"/>
           </a:p>
@@ -7677,7 +7677,7 @@
           <a:p>
             <a:fld id="{4EF95999-A99C-46D6-BFDA-AEFA180EA74F}" type="datetimeFigureOut">
               <a:rPr lang="en-US" smtClean="0"/>
-              <a:t>17-Oct-24</a:t>
+              <a:t>23-Oct-24</a:t>
             </a:fld>
             <a:endParaRPr lang="en-US"/>
           </a:p>
@@ -7924,7 +7924,7 @@
           <a:p>
             <a:fld id="{4EF95999-A99C-46D6-BFDA-AEFA180EA74F}" type="datetimeFigureOut">
               <a:rPr lang="en-US" smtClean="0"/>
-              <a:t>17-Oct-24</a:t>
+              <a:t>23-Oct-24</a:t>
             </a:fld>
             <a:endParaRPr lang="en-US"/>
           </a:p>
@@ -8087,7 +8087,7 @@
           <a:p>
             <a:fld id="{4EF95999-A99C-46D6-BFDA-AEFA180EA74F}" type="datetimeFigureOut">
               <a:rPr lang="en-US" smtClean="0"/>
-              <a:t>17-Oct-24</a:t>
+              <a:t>23-Oct-24</a:t>
             </a:fld>
             <a:endParaRPr lang="en-US"/>
           </a:p>
@@ -8260,7 +8260,7 @@
           <a:p>
             <a:fld id="{4EF95999-A99C-46D6-BFDA-AEFA180EA74F}" type="datetimeFigureOut">
               <a:rPr lang="en-US" smtClean="0"/>
-              <a:t>17-Oct-24</a:t>
+              <a:t>23-Oct-24</a:t>
             </a:fld>
             <a:endParaRPr lang="en-US"/>
           </a:p>
@@ -8429,7 +8429,7 @@
           <a:p>
             <a:fld id="{EC281ACE-890E-4B55-88CA-A440D73ED3A3}" type="datetimeFigureOut">
               <a:rPr lang="en-US" smtClean="0"/>
-              <a:t>17-Oct-24</a:t>
+              <a:t>23-Oct-24</a:t>
             </a:fld>
             <a:endParaRPr lang="en-US"/>
           </a:p>
@@ -8647,7 +8647,7 @@
           <a:p>
             <a:fld id="{4EF95999-A99C-46D6-BFDA-AEFA180EA74F}" type="datetimeFigureOut">
               <a:rPr lang="en-US" smtClean="0"/>
-              <a:t>17-Oct-24</a:t>
+              <a:t>23-Oct-24</a:t>
             </a:fld>
             <a:endParaRPr lang="en-US"/>
           </a:p>
@@ -8817,7 +8817,7 @@
           <a:p>
             <a:fld id="{4EF95999-A99C-46D6-BFDA-AEFA180EA74F}" type="datetimeFigureOut">
               <a:rPr lang="en-US" smtClean="0"/>
-              <a:t>17-Oct-24</a:t>
+              <a:t>23-Oct-24</a:t>
             </a:fld>
             <a:endParaRPr lang="en-US"/>
           </a:p>
@@ -9063,7 +9063,7 @@
           <a:p>
             <a:fld id="{4EF95999-A99C-46D6-BFDA-AEFA180EA74F}" type="datetimeFigureOut">
               <a:rPr lang="en-US" smtClean="0"/>
-              <a:t>17-Oct-24</a:t>
+              <a:t>23-Oct-24</a:t>
             </a:fld>
             <a:endParaRPr lang="en-US"/>
           </a:p>
@@ -9295,7 +9295,7 @@
           <a:p>
             <a:fld id="{4EF95999-A99C-46D6-BFDA-AEFA180EA74F}" type="datetimeFigureOut">
               <a:rPr lang="en-US" smtClean="0"/>
-              <a:t>17-Oct-24</a:t>
+              <a:t>23-Oct-24</a:t>
             </a:fld>
             <a:endParaRPr lang="en-US"/>
           </a:p>
@@ -9524,7 +9524,7 @@
           <a:p>
             <a:fld id="{4EF95999-A99C-46D6-BFDA-AEFA180EA74F}" type="datetimeFigureOut">
               <a:rPr lang="en-US" smtClean="0"/>
-              <a:t>17-Oct-24</a:t>
+              <a:t>23-Oct-24</a:t>
             </a:fld>
             <a:endParaRPr lang="en-US"/>
           </a:p>
@@ -9886,7 +9886,7 @@
           <a:p>
             <a:fld id="{4EF95999-A99C-46D6-BFDA-AEFA180EA74F}" type="datetimeFigureOut">
               <a:rPr lang="en-US" smtClean="0"/>
-              <a:t>17-Oct-24</a:t>
+              <a:t>23-Oct-24</a:t>
             </a:fld>
             <a:endParaRPr lang="en-US"/>
           </a:p>
@@ -10004,7 +10004,7 @@
           <a:p>
             <a:fld id="{4EF95999-A99C-46D6-BFDA-AEFA180EA74F}" type="datetimeFigureOut">
               <a:rPr lang="en-US" smtClean="0"/>
-              <a:t>17-Oct-24</a:t>
+              <a:t>23-Oct-24</a:t>
             </a:fld>
             <a:endParaRPr lang="en-US"/>
           </a:p>
@@ -10099,7 +10099,7 @@
           <a:p>
             <a:fld id="{4EF95999-A99C-46D6-BFDA-AEFA180EA74F}" type="datetimeFigureOut">
               <a:rPr lang="en-US" smtClean="0"/>
-              <a:t>17-Oct-24</a:t>
+              <a:t>23-Oct-24</a:t>
             </a:fld>
             <a:endParaRPr lang="en-US"/>
           </a:p>
@@ -10376,7 +10376,7 @@
           <a:p>
             <a:fld id="{4EF95999-A99C-46D6-BFDA-AEFA180EA74F}" type="datetimeFigureOut">
               <a:rPr lang="en-US" smtClean="0"/>
-              <a:t>17-Oct-24</a:t>
+              <a:t>23-Oct-24</a:t>
             </a:fld>
             <a:endParaRPr lang="en-US"/>
           </a:p>
@@ -10633,7 +10633,7 @@
           <a:p>
             <a:fld id="{4EF95999-A99C-46D6-BFDA-AEFA180EA74F}" type="datetimeFigureOut">
               <a:rPr lang="en-US" smtClean="0"/>
-              <a:t>17-Oct-24</a:t>
+              <a:t>23-Oct-24</a:t>
             </a:fld>
             <a:endParaRPr lang="en-US"/>
           </a:p>
@@ -10803,7 +10803,7 @@
           <a:p>
             <a:fld id="{4EF95999-A99C-46D6-BFDA-AEFA180EA74F}" type="datetimeFigureOut">
               <a:rPr lang="en-US" smtClean="0"/>
-              <a:t>17-Oct-24</a:t>
+              <a:t>23-Oct-24</a:t>
             </a:fld>
             <a:endParaRPr lang="en-US"/>
           </a:p>
@@ -10983,7 +10983,7 @@
           <a:p>
             <a:fld id="{4EF95999-A99C-46D6-BFDA-AEFA180EA74F}" type="datetimeFigureOut">
               <a:rPr lang="en-US" smtClean="0"/>
-              <a:t>17-Oct-24</a:t>
+              <a:t>23-Oct-24</a:t>
             </a:fld>
             <a:endParaRPr lang="en-US"/>
           </a:p>
@@ -11347,7 +11347,7 @@
           <a:p>
             <a:fld id="{4EF95999-A99C-46D6-BFDA-AEFA180EA74F}" type="datetimeFigureOut">
               <a:rPr lang="en-US" smtClean="0"/>
-              <a:t>17-Oct-24</a:t>
+              <a:t>23-Oct-24</a:t>
             </a:fld>
             <a:endParaRPr lang="en-US"/>
           </a:p>
@@ -11459,7 +11459,7 @@
           <a:p>
             <a:fld id="{4EF95999-A99C-46D6-BFDA-AEFA180EA74F}" type="datetimeFigureOut">
               <a:rPr lang="en-US" smtClean="0"/>
-              <a:t>17-Oct-24</a:t>
+              <a:t>23-Oct-24</a:t>
             </a:fld>
             <a:endParaRPr lang="en-US"/>
           </a:p>
@@ -11549,7 +11549,7 @@
           <a:p>
             <a:fld id="{4EF95999-A99C-46D6-BFDA-AEFA180EA74F}" type="datetimeFigureOut">
               <a:rPr lang="en-US" smtClean="0"/>
-              <a:t>17-Oct-24</a:t>
+              <a:t>23-Oct-24</a:t>
             </a:fld>
             <a:endParaRPr lang="en-US"/>
           </a:p>
@@ -11819,7 +11819,7 @@
           <a:p>
             <a:fld id="{4EF95999-A99C-46D6-BFDA-AEFA180EA74F}" type="datetimeFigureOut">
               <a:rPr lang="en-US" smtClean="0"/>
-              <a:t>17-Oct-24</a:t>
+              <a:t>23-Oct-24</a:t>
             </a:fld>
             <a:endParaRPr lang="en-US"/>
           </a:p>
@@ -12066,7 +12066,7 @@
           <a:p>
             <a:fld id="{4EF95999-A99C-46D6-BFDA-AEFA180EA74F}" type="datetimeFigureOut">
               <a:rPr lang="en-US" smtClean="0"/>
-              <a:t>17-Oct-24</a:t>
+              <a:t>23-Oct-24</a:t>
             </a:fld>
             <a:endParaRPr lang="en-US"/>
           </a:p>
@@ -12273,7 +12273,7 @@
           <a:p>
             <a:fld id="{4EF95999-A99C-46D6-BFDA-AEFA180EA74F}" type="datetimeFigureOut">
               <a:rPr lang="en-US" smtClean="0"/>
-              <a:t>17-Oct-24</a:t>
+              <a:t>23-Oct-24</a:t>
             </a:fld>
             <a:endParaRPr lang="en-US"/>
           </a:p>
@@ -12810,7 +12810,7 @@
           <a:p>
             <a:fld id="{36B80835-DEB3-4275-B379-2566D87801AD}" type="datetimeFigureOut">
               <a:rPr lang="en-US" smtClean="0"/>
-              <a:t>17-Oct-24</a:t>
+              <a:t>23-Oct-24</a:t>
             </a:fld>
             <a:endParaRPr lang="en-US"/>
           </a:p>
@@ -13346,7 +13346,7 @@
           <a:p>
             <a:fld id="{4EF95999-A99C-46D6-BFDA-AEFA180EA74F}" type="datetimeFigureOut">
               <a:rPr lang="en-US" smtClean="0"/>
-              <a:t>17-Oct-24</a:t>
+              <a:t>23-Oct-24</a:t>
             </a:fld>
             <a:endParaRPr lang="en-US"/>
           </a:p>
@@ -13884,7 +13884,7 @@
           <a:p>
             <a:fld id="{4EF95999-A99C-46D6-BFDA-AEFA180EA74F}" type="datetimeFigureOut">
               <a:rPr lang="en-US" smtClean="0"/>
-              <a:t>17-Oct-24</a:t>
+              <a:t>23-Oct-24</a:t>
             </a:fld>
             <a:endParaRPr lang="en-US"/>
           </a:p>
@@ -15215,7 +15215,15 @@
             </a:r>
             <a:r>
               <a:rPr lang="en-US" dirty="0"/>
-              <a:t> is a new technological movement on the Internet which aims to decentralize online social interactions, payments, transactions, and other tasks while maintaining confidentiality and privacy of its user’s data</a:t>
+              <a:t> is a new technological movement on the Internet </a:t>
+            </a:r>
+            <a:r>
+              <a:rPr lang="en-US" dirty="0">
+                <a:highlight>
+                  <a:srgbClr val="FFFF00"/>
+                </a:highlight>
+              </a:rPr>
+              <a:t>which aims to decentralize online social interactions, payments, transactions, and other tasks while maintaining confidentiality and privacy of its user’s data</a:t>
             </a:r>
           </a:p>
           <a:p>
@@ -16604,7 +16612,22 @@
             </a:pPr>
             <a:r>
               <a:rPr lang="en-US" dirty="0"/>
-              <a:t>IoT Node: These are the networking devices within an IoT LAN. Each of these devices is typically made up of a sensor, a processor, and a radio, which communicates with the network infrastructure (either within the LAN or outside it). The nodes may be connected to other nodes inside a LAN directly or by means of a common gateway for that LAN. Connections outside the LAN are through gateways and proxies.</a:t>
+              <a:t>IoT Node: These are the networking devices within an IoT LAN. Each of these devices is typically </a:t>
+            </a:r>
+            <a:r>
+              <a:rPr lang="en-US" dirty="0">
+                <a:solidFill>
+                  <a:srgbClr val="FF0000"/>
+                </a:solidFill>
+                <a:highlight>
+                  <a:srgbClr val="FFFF00"/>
+                </a:highlight>
+              </a:rPr>
+              <a:t>made up of a sensor, a processor, and a radio, </a:t>
+            </a:r>
+            <a:r>
+              <a:rPr lang="en-US" dirty="0"/>
+              <a:t>which communicates with the network infrastructure (either within the LAN or outside it). The nodes may be connected to other nodes inside a LAN directly or by means of a common gateway for that LAN. Connections outside the LAN are through gateways and proxies.</a:t>
             </a:r>
           </a:p>
           <a:p>
@@ -16624,7 +16647,22 @@
             </a:r>
             <a:r>
               <a:rPr lang="en-US" dirty="0"/>
-              <a:t> router is a piece of networking equipment that is primarily tasked with the routing of packets between various entities in the IoT network; it keeps the traffic flowing correctly within the network. A router can be repurposed as a gateway by enhancing its functionalities.</a:t>
+              <a:t> router is a piece of </a:t>
+            </a:r>
+            <a:r>
+              <a:rPr lang="en-US" dirty="0">
+                <a:solidFill>
+                  <a:srgbClr val="FF0000"/>
+                </a:solidFill>
+                <a:highlight>
+                  <a:srgbClr val="FFFF00"/>
+                </a:highlight>
+              </a:rPr>
+              <a:t>networking equipment that is primarily tasked with the routing of packets between various entities in the IoT network; it keeps the traffic flowing correctly within the network</a:t>
+            </a:r>
+            <a:r>
+              <a:rPr lang="en-US" dirty="0"/>
+              <a:t>. A router can be repurposed as a gateway by enhancing its functionalities.</a:t>
             </a:r>
           </a:p>
           <a:p>
@@ -16645,7 +16683,22 @@
             </a:pPr>
             <a:r>
               <a:rPr lang="en-US" dirty="0"/>
-              <a:t>IoT LAN: The local area network (LAN) enables local connectivity within the purview of a single gateway. Typically, they consist of short-range connectivity technologies. IoT LANs may or may not be connected to the Internet. Generally, they are localized within a building or an organization</a:t>
+              <a:t>IoT LAN: The local area network (LAN) enables local connectivity within the purview of a single gateway. Typically, they consist of short-range connectivity technologies. </a:t>
+            </a:r>
+            <a:r>
+              <a:rPr lang="en-US" dirty="0">
+                <a:solidFill>
+                  <a:srgbClr val="FF0000"/>
+                </a:solidFill>
+                <a:highlight>
+                  <a:srgbClr val="FFFF00"/>
+                </a:highlight>
+              </a:rPr>
+              <a:t>IoT LANs may or may not be connected to the Internet. </a:t>
+            </a:r>
+            <a:r>
+              <a:rPr lang="en-US" dirty="0"/>
+              <a:t>Generally, they are localized within a building or an organization</a:t>
             </a:r>
           </a:p>
           <a:p>
@@ -16965,7 +17018,18 @@
             </a:r>
             <a:r>
               <a:rPr lang="en-US" dirty="0"/>
-              <a:t>) IoT WAN: The wide area network (WAN) connects various network segments such as LANs. They are typically organizationally and geographically wide, with their operational range lying between a few kilometers to hundreds of kilometers. IoT WANs connect to the Internet and enable Internet access to the segments they are connecting</a:t>
+              <a:t>) IoT WAN: The wide area network (WAN) connects various network segments such as LANs. They are typically organizationally and geographically wide, with their operational range lying between a few kilometers to hundreds of kilometers</a:t>
+            </a:r>
+            <a:r>
+              <a:rPr lang="en-US" dirty="0">
+                <a:solidFill>
+                  <a:srgbClr val="FF0000"/>
+                </a:solidFill>
+                <a:highlight>
+                  <a:srgbClr val="FFFF00"/>
+                </a:highlight>
+              </a:rPr>
+              <a:t>. IoT WANs connect to the Internet and enable Internet access to the segments they are connecting</a:t>
             </a:r>
           </a:p>
           <a:p>
@@ -16974,7 +17038,37 @@
           <a:p>
             <a:r>
               <a:rPr lang="en-US" dirty="0"/>
-              <a:t>(v) IoT Gateway: An IoT gateway is simply a router connecting the IoT LAN to a WAN or the Internet. Gateways can implement several LANs and WANs. Their primary task is to forward packets between LANs and WANs, and the IP layer using only layer 3.</a:t>
+              <a:t>(v) IoT Gateway: An IoT gateway </a:t>
+            </a:r>
+            <a:r>
+              <a:rPr lang="en-US" dirty="0">
+                <a:solidFill>
+                  <a:srgbClr val="FF0000"/>
+                </a:solidFill>
+                <a:highlight>
+                  <a:srgbClr val="FFFF00"/>
+                </a:highlight>
+              </a:rPr>
+              <a:t>is simply a router connecting the IoT LAN to a WAN or the Internet</a:t>
+            </a:r>
+            <a:r>
+              <a:rPr lang="en-US" dirty="0"/>
+              <a:t>. Gateways can implement several LANs and WANs. Their </a:t>
+            </a:r>
+            <a:r>
+              <a:rPr lang="en-US" dirty="0">
+                <a:solidFill>
+                  <a:srgbClr val="FF0000"/>
+                </a:solidFill>
+                <a:highlight>
+                  <a:srgbClr val="FFFF00"/>
+                </a:highlight>
+              </a:rPr>
+              <a:t>primary task is to forward packets between LANs and WANs</a:t>
+            </a:r>
+            <a:r>
+              <a:rPr lang="en-US" dirty="0"/>
+              <a:t>, and the IP layer using only layer 3.</a:t>
             </a:r>
           </a:p>
           <a:p>
@@ -16983,9 +17077,27 @@
           <a:p>
             <a:r>
               <a:rPr lang="en-US" dirty="0"/>
-              <a:t> (vi) IoT Proxy: Proxies actively lie on the application layer and performs application layer functions between IoT nodes and other entities. Typically, application layer proxies are a means of providing security to the network entities under it ; it helps to extend the addressing range of its network</a:t>
-            </a:r>
-            <a:endParaRPr lang="en-IN" dirty="0"/>
+              <a:t> (vi) IoT Proxy: Proxies actively lie on the application layer and performs application layer functions between IoT nodes and other entities. </a:t>
+            </a:r>
+            <a:r>
+              <a:rPr lang="en-US" dirty="0">
+                <a:solidFill>
+                  <a:srgbClr val="FF0000"/>
+                </a:solidFill>
+                <a:highlight>
+                  <a:srgbClr val="FFFF00"/>
+                </a:highlight>
+              </a:rPr>
+              <a:t>Typically, application layer proxies are a means of providing security to the network entities under it ; it helps to extend the addressing range of its network</a:t>
+            </a:r>
+            <a:endParaRPr lang="en-IN" dirty="0">
+              <a:solidFill>
+                <a:srgbClr val="FF0000"/>
+              </a:solidFill>
+              <a:highlight>
+                <a:srgbClr val="FFFF00"/>
+              </a:highlight>
+            </a:endParaRPr>
           </a:p>
         </p:txBody>
       </p:sp>
@@ -17659,7 +17771,18 @@
             </a:pPr>
             <a:r>
               <a:rPr lang="en-US" dirty="0"/>
-              <a:t>Global Unicast (GUA): These addresses are assigned to single IoT entities/ interfaces; they enable the entities to transmit traffic to and from the Internet. In regular IoT deployments, these addresses are assigned to gateways, proxies, or WANs. </a:t>
+              <a:t>Global Unicast (GUA): These addresses are assigned to single IoT entities/ interfaces; they enable the entities to transmit traffic to and from the Internet. </a:t>
+            </a:r>
+            <a:r>
+              <a:rPr lang="en-US" dirty="0">
+                <a:solidFill>
+                  <a:srgbClr val="FF0000"/>
+                </a:solidFill>
+                <a:highlight>
+                  <a:srgbClr val="FFFF00"/>
+                </a:highlight>
+              </a:rPr>
+              <a:t>In regular IoT deployments, these addresses are assigned to gateways, proxies, or WANs. </a:t>
             </a:r>
           </a:p>
           <a:p>
@@ -17671,7 +17794,18 @@
           <a:p>
             <a:r>
               <a:rPr lang="en-US" dirty="0"/>
-              <a:t>(ii) Multicast: These addresses enable transmission of messages from a single networked entity to multiple destination entities simultaneously. </a:t>
+              <a:t>(ii) Multicast: These addresses </a:t>
+            </a:r>
+            <a:r>
+              <a:rPr lang="en-US" dirty="0">
+                <a:solidFill>
+                  <a:srgbClr val="FF0000"/>
+                </a:solidFill>
+                <a:highlight>
+                  <a:srgbClr val="FFFF00"/>
+                </a:highlight>
+              </a:rPr>
+              <a:t>enable transmission of messages from a single networked entity to multiple destination entities simultaneously. </a:t>
             </a:r>
           </a:p>
           <a:p>
@@ -17680,9 +17814,27 @@
           <a:p>
             <a:r>
               <a:rPr lang="en-US" dirty="0"/>
-              <a:t>(iii) Link Local (LL): The operational domain of these addresses are valid only within a network segment such as LAN. These addresses may be repeated in other network segments/LANs, but are unique within that single network segment. </a:t>
-            </a:r>
-            <a:endParaRPr lang="en-IN" dirty="0"/>
+              <a:t>(iii) Link Local (LL): The operational domain of these addresses are valid only within a network segment such as LAN. </a:t>
+            </a:r>
+            <a:r>
+              <a:rPr lang="en-US" dirty="0">
+                <a:solidFill>
+                  <a:srgbClr val="FF0000"/>
+                </a:solidFill>
+                <a:highlight>
+                  <a:srgbClr val="FFFF00"/>
+                </a:highlight>
+              </a:rPr>
+              <a:t>These addresses may be repeated in other network segments/LANs, but are unique within that single network segment. </a:t>
+            </a:r>
+            <a:endParaRPr lang="en-IN" dirty="0">
+              <a:solidFill>
+                <a:srgbClr val="FF0000"/>
+              </a:solidFill>
+              <a:highlight>
+                <a:srgbClr val="FFFF00"/>
+              </a:highlight>
+            </a:endParaRPr>
           </a:p>
         </p:txBody>
       </p:sp>
@@ -17987,7 +18139,18 @@
           <a:p>
             <a:r>
               <a:rPr lang="en-US" dirty="0"/>
-              <a:t>(iv) Unique Local (ULA): Similar to LL addresses, ULA cannot be routed over the Internet. These addresses may be repeated in other network segments/LANs, but are unique within that single network segment. </a:t>
+              <a:t>(iv) Unique Local (ULA): Similar to LL addresses, </a:t>
+            </a:r>
+            <a:r>
+              <a:rPr lang="en-US" dirty="0">
+                <a:solidFill>
+                  <a:srgbClr val="FF0000"/>
+                </a:solidFill>
+                <a:highlight>
+                  <a:srgbClr val="FFFF00"/>
+                </a:highlight>
+              </a:rPr>
+              <a:t>ULA cannot be routed over the Internet. These addresses may be repeated in other network segments/LANs, but are unique within that single network segment. </a:t>
             </a:r>
           </a:p>
           <a:p>
@@ -17999,7 +18162,18 @@
           <a:p>
             <a:r>
               <a:rPr lang="en-US" dirty="0"/>
-              <a:t>(v) Loopback: It is also known as the localhost address. Typically, these addresses are used by developers and network testers for diagnostics and system checks. </a:t>
+              <a:t>(v) Loopback: It is also known as the localhost address. </a:t>
+            </a:r>
+            <a:r>
+              <a:rPr lang="en-US" dirty="0">
+                <a:solidFill>
+                  <a:srgbClr val="FF0000"/>
+                </a:solidFill>
+                <a:highlight>
+                  <a:srgbClr val="FFFF00"/>
+                </a:highlight>
+              </a:rPr>
+              <a:t>Typically, these addresses are used by developers and network testers for diagnostics and system checks. </a:t>
             </a:r>
           </a:p>
           <a:p>
@@ -18014,7 +18188,22 @@
           <a:p>
             <a:r>
               <a:rPr lang="en-US" dirty="0"/>
-              <a:t>(vi) Unspecified: Here, all the bits in the IPv6 address are set to zero and the destination address is not specified. (vii) Solicited-node Multicast: It is a multicast address based on the IPv6 address of an IoT node or entity</a:t>
+              <a:t>(vi) Unspecified: Here, </a:t>
+            </a:r>
+            <a:r>
+              <a:rPr lang="en-US" dirty="0">
+                <a:solidFill>
+                  <a:srgbClr val="FF0000"/>
+                </a:solidFill>
+                <a:highlight>
+                  <a:srgbClr val="FFFF00"/>
+                </a:highlight>
+              </a:rPr>
+              <a:t>all the bits in the IPv6 address are set to zero and the destination address is not specified. </a:t>
+            </a:r>
+            <a:r>
+              <a:rPr lang="en-US" dirty="0"/>
+              <a:t>(vii) Solicited-node Multicast: It is a multicast address based on the IPv6 address of an IoT node or entity</a:t>
             </a:r>
             <a:endParaRPr lang="en-IN" dirty="0"/>
           </a:p>
@@ -18820,9 +19009,42 @@
             </a:r>
             <a:r>
               <a:rPr lang="en-US" dirty="0"/>
-              <a:t>: The IoT nodes are not connected to any other interface or the Internet except with themselves. This class can be considered as an isolated class, where the communication between IoT nodes is restricted within a LAN only. The IoT nodes in this class are identified only by their link local (LL) addresses</a:t>
-            </a:r>
-            <a:endParaRPr lang="en-IN" dirty="0"/>
+              <a:t>: </a:t>
+            </a:r>
+            <a:r>
+              <a:rPr lang="en-US" dirty="0">
+                <a:solidFill>
+                  <a:srgbClr val="FF0000"/>
+                </a:solidFill>
+                <a:highlight>
+                  <a:srgbClr val="FFFF00"/>
+                </a:highlight>
+              </a:rPr>
+              <a:t>The IoT nodes are not connected to any other interface or the Internet except with themselves. This class can be considered as an isolated class, </a:t>
+            </a:r>
+            <a:r>
+              <a:rPr lang="en-US" dirty="0"/>
+              <a:t>where the communication between IoT nodes is restricted within a LAN only. </a:t>
+            </a:r>
+            <a:r>
+              <a:rPr lang="en-US" dirty="0">
+                <a:solidFill>
+                  <a:srgbClr val="FF0000"/>
+                </a:solidFill>
+                <a:highlight>
+                  <a:srgbClr val="FFFF00"/>
+                </a:highlight>
+              </a:rPr>
+              <a:t>The IoT nodes in this class are identified only by their link local (LL) addresses</a:t>
+            </a:r>
+            <a:endParaRPr lang="en-IN" dirty="0">
+              <a:solidFill>
+                <a:srgbClr val="FF0000"/>
+              </a:solidFill>
+              <a:highlight>
+                <a:srgbClr val="FFFF00"/>
+              </a:highlight>
+            </a:endParaRPr>
           </a:p>
         </p:txBody>
       </p:sp>
@@ -18890,9 +19112,51 @@
             </a:r>
             <a:r>
               <a:rPr lang="en-US" dirty="0"/>
-              <a:t>: The class 1 configuration is mainly utilized for enabling communication between two or more IoT LANs or WANs. The IoT nodes within the LANs cannot directly communicate to nodes in the other LANs using their LL addresses, but through their LAN gateways (which have a unique address assigned to them). Generally, ULA is used for addressing; however, in certain scenarios, GUA may also be used</a:t>
-            </a:r>
-            <a:endParaRPr lang="en-IN" dirty="0"/>
+              <a:t>: The class 1 configuration is mainly utilized for enabling communication between two or more IoT LANs or WANs. The IoT nodes within the LANs cannot directly communicate to nodes in the other LANs using their LL addresses, </a:t>
+            </a:r>
+            <a:r>
+              <a:rPr lang="en-US" dirty="0">
+                <a:solidFill>
+                  <a:srgbClr val="FF0000"/>
+                </a:solidFill>
+                <a:highlight>
+                  <a:srgbClr val="FFFF00"/>
+                </a:highlight>
+              </a:rPr>
+              <a:t>but through their LAN gateways (which have a unique address assigned to them). Generally, </a:t>
+            </a:r>
+            <a:r>
+              <a:rPr lang="en-US" dirty="0">
+                <a:solidFill>
+                  <a:schemeClr val="accent6">
+                    <a:lumMod val="50000"/>
+                  </a:schemeClr>
+                </a:solidFill>
+                <a:highlight>
+                  <a:srgbClr val="FFFF00"/>
+                </a:highlight>
+              </a:rPr>
+              <a:t>ULA is used for addressing; </a:t>
+            </a:r>
+            <a:r>
+              <a:rPr lang="en-US" dirty="0">
+                <a:solidFill>
+                  <a:srgbClr val="FF0000"/>
+                </a:solidFill>
+                <a:highlight>
+                  <a:srgbClr val="FFFF00"/>
+                </a:highlight>
+              </a:rPr>
+              <a:t>however, in certain scenarios, GUA may also be used</a:t>
+            </a:r>
+            <a:endParaRPr lang="en-IN" dirty="0">
+              <a:solidFill>
+                <a:srgbClr val="FF0000"/>
+              </a:solidFill>
+              <a:highlight>
+                <a:srgbClr val="FFFF00"/>
+              </a:highlight>
+            </a:endParaRPr>
           </a:p>
         </p:txBody>
       </p:sp>
@@ -19227,9 +19491,27 @@
           <a:p>
             <a:r>
               <a:rPr lang="en-US" dirty="0"/>
-              <a:t>Class 3: shows a class 3 IoT network configuration, where the IoT LAN is connected to an IoT proxy</a:t>
-            </a:r>
-            <a:endParaRPr lang="en-IN" dirty="0"/>
+              <a:t>Class 3: shows a class 3 IoT network configuration, </a:t>
+            </a:r>
+            <a:r>
+              <a:rPr lang="en-US" dirty="0">
+                <a:solidFill>
+                  <a:srgbClr val="FF0000"/>
+                </a:solidFill>
+                <a:highlight>
+                  <a:srgbClr val="FFFF00"/>
+                </a:highlight>
+              </a:rPr>
+              <a:t>where the IoT LAN is connected to an IoT proxy</a:t>
+            </a:r>
+            <a:endParaRPr lang="en-IN" dirty="0">
+              <a:solidFill>
+                <a:srgbClr val="FF0000"/>
+              </a:solidFill>
+              <a:highlight>
+                <a:srgbClr val="FFFF00"/>
+              </a:highlight>
+            </a:endParaRPr>
           </a:p>
         </p:txBody>
       </p:sp>
@@ -19293,7 +19575,46 @@
           <a:p>
             <a:r>
               <a:rPr lang="en-US" dirty="0"/>
-              <a:t>Class 4: In this class, the IoT proxy acts as a gateway between the LAN and the Internet, and provides GUA to the IoT nodes within the LAN. A globally unique prefix is allotted to this gateway, which it uses with the individual device identifiers to extend global Internet connectivity to the IoT nodes themselves</a:t>
+              <a:t>Class 4: In this class, </a:t>
+            </a:r>
+            <a:r>
+              <a:rPr lang="en-US" dirty="0">
+                <a:solidFill>
+                  <a:srgbClr val="FF0000"/>
+                </a:solidFill>
+                <a:highlight>
+                  <a:srgbClr val="FFFF00"/>
+                </a:highlight>
+              </a:rPr>
+              <a:t>the IoT proxy acts as a gateway between the LAN and the Internet, </a:t>
+            </a:r>
+            <a:r>
+              <a:rPr lang="en-US" dirty="0">
+                <a:solidFill>
+                  <a:schemeClr val="accent6">
+                    <a:lumMod val="50000"/>
+                  </a:schemeClr>
+                </a:solidFill>
+                <a:highlight>
+                  <a:srgbClr val="FFFF00"/>
+                </a:highlight>
+              </a:rPr>
+              <a:t>and provides GUA to </a:t>
+            </a:r>
+            <a:r>
+              <a:rPr lang="en-US" dirty="0">
+                <a:solidFill>
+                  <a:srgbClr val="FF0000"/>
+                </a:solidFill>
+                <a:highlight>
+                  <a:srgbClr val="FFFF00"/>
+                </a:highlight>
+              </a:rPr>
+              <a:t>the IoT nodes within the LAN. A</a:t>
+            </a:r>
+            <a:r>
+              <a:rPr lang="en-US" dirty="0"/>
+              <a:t> globally unique prefix is allotted to this gateway, which it uses with the individual device identifiers to extend global Internet connectivity to the IoT nodes themselves</a:t>
             </a:r>
             <a:endParaRPr lang="en-IN" dirty="0"/>
           </a:p>
@@ -19630,25 +19951,79 @@
           <a:p>
             <a:r>
               <a:rPr lang="en-US" dirty="0"/>
-              <a:t>Class 5: This class is functionally similar to class 4. However, the main difference with class 4 is that this class follows </a:t>
-            </a:r>
-            <a:r>
-              <a:rPr lang="en-US" b="1" dirty="0"/>
+              <a:t>Class 5: This class is functionally similar to class 4.</a:t>
+            </a:r>
+            <a:r>
+              <a:rPr lang="en-US" dirty="0">
+                <a:solidFill>
+                  <a:srgbClr val="FF0000"/>
+                </a:solidFill>
+              </a:rPr>
+              <a:t> </a:t>
+            </a:r>
+            <a:r>
+              <a:rPr lang="en-US" dirty="0">
+                <a:solidFill>
+                  <a:srgbClr val="FF0000"/>
+                </a:solidFill>
+                <a:highlight>
+                  <a:srgbClr val="FFFF00"/>
+                </a:highlight>
+              </a:rPr>
+              <a:t>However, the main difference with class 4 is that this class follows </a:t>
+            </a:r>
+            <a:r>
+              <a:rPr lang="en-US" b="1" dirty="0">
+                <a:solidFill>
+                  <a:srgbClr val="FF0000"/>
+                </a:solidFill>
+                <a:highlight>
+                  <a:srgbClr val="FFFF00"/>
+                </a:highlight>
+              </a:rPr>
               <a:t>a star topology </a:t>
             </a:r>
             <a:r>
-              <a:rPr lang="en-US" dirty="0"/>
+              <a:rPr lang="en-US" dirty="0">
+                <a:solidFill>
+                  <a:srgbClr val="FF0000"/>
+                </a:solidFill>
+                <a:highlight>
+                  <a:srgbClr val="FFFF00"/>
+                </a:highlight>
+              </a:rPr>
               <a:t>with the gateway as the </a:t>
             </a:r>
             <a:r>
-              <a:rPr lang="en-US" b="1" dirty="0"/>
+              <a:rPr lang="en-US" b="1" dirty="0">
+                <a:solidFill>
+                  <a:srgbClr val="FF0000"/>
+                </a:solidFill>
+                <a:highlight>
+                  <a:srgbClr val="FFFF00"/>
+                </a:highlight>
+              </a:rPr>
               <a:t>center of the star</a:t>
             </a:r>
             <a:r>
-              <a:rPr lang="en-US" dirty="0"/>
+              <a:rPr lang="en-US" dirty="0">
+                <a:solidFill>
+                  <a:srgbClr val="FF0000"/>
+                </a:solidFill>
+                <a:highlight>
+                  <a:srgbClr val="FFFF00"/>
+                </a:highlight>
+              </a:rPr>
               <a:t>. All the communication from the IoT nodes under the gateway has to go through the gateway</a:t>
             </a:r>
-            <a:endParaRPr lang="en-IN" dirty="0"/>
+            <a:endParaRPr lang="en-IN" dirty="0">
+              <a:solidFill>
+                <a:srgbClr val="FF0000"/>
+              </a:solidFill>
+              <a:highlight>
+                <a:srgbClr val="FFFF00"/>
+              </a:highlight>
+            </a:endParaRPr>
           </a:p>
         </p:txBody>
       </p:sp>
@@ -19682,15 +20057,82 @@
           <a:p>
             <a:r>
               <a:rPr lang="en-US" dirty="0"/>
-              <a:t>Class 6: The configuration of this class is again similar to class 5. However, the IoT nodes are all assigned </a:t>
-            </a:r>
-            <a:r>
-              <a:rPr lang="en-US" b="1" dirty="0"/>
-              <a:t>unique global addresses (GUA</a:t>
+              <a:t>Class 6: The configuration of this class is again similar to class 5. </a:t>
+            </a:r>
+            <a:r>
+              <a:rPr lang="en-US" dirty="0">
+                <a:solidFill>
+                  <a:srgbClr val="FF0000"/>
+                </a:solidFill>
+                <a:highlight>
+                  <a:srgbClr val="FFFF00"/>
+                </a:highlight>
+              </a:rPr>
+              <a:t>However, the IoT </a:t>
+            </a:r>
+            <a:r>
+              <a:rPr lang="en-US" dirty="0">
+                <a:solidFill>
+                  <a:schemeClr val="accent6">
+                    <a:lumMod val="50000"/>
+                  </a:schemeClr>
+                </a:solidFill>
+                <a:highlight>
+                  <a:srgbClr val="FFFF00"/>
+                </a:highlight>
+              </a:rPr>
+              <a:t>nodes are all assigned </a:t>
+            </a:r>
+            <a:r>
+              <a:rPr lang="en-US" b="1" dirty="0">
+                <a:solidFill>
+                  <a:schemeClr val="accent6">
+                    <a:lumMod val="50000"/>
+                  </a:schemeClr>
+                </a:solidFill>
+                <a:highlight>
+                  <a:srgbClr val="FFFF00"/>
+                </a:highlight>
+              </a:rPr>
+              <a:t>unique global addresses </a:t>
+            </a:r>
+            <a:r>
+              <a:rPr lang="en-US" b="1" dirty="0">
+                <a:solidFill>
+                  <a:srgbClr val="FF0000"/>
+                </a:solidFill>
+                <a:highlight>
+                  <a:srgbClr val="FFFF00"/>
+                </a:highlight>
+              </a:rPr>
+              <a:t>(GUA</a:t>
+            </a:r>
+            <a:r>
+              <a:rPr lang="en-US" dirty="0">
+                <a:solidFill>
+                  <a:srgbClr val="FF0000"/>
+                </a:solidFill>
+                <a:highlight>
+                  <a:srgbClr val="FFFF00"/>
+                </a:highlight>
+              </a:rPr>
+              <a:t>), </a:t>
             </a:r>
             <a:r>
               <a:rPr lang="en-US" dirty="0"/>
-              <a:t>), which enables a point-to-point communication network with an Internet gateway</a:t>
+              <a:t>which enables a </a:t>
+            </a:r>
+            <a:r>
+              <a:rPr lang="en-US" dirty="0">
+                <a:solidFill>
+                  <a:srgbClr val="FF0000"/>
+                </a:solidFill>
+              </a:rPr>
+              <a:t>point-to-point communication </a:t>
+            </a:r>
+            <a:r>
+              <a:rPr lang="en-US" dirty="0"/>
+              <a:t>network with an Internet gateway</a:t>
             </a:r>
             <a:endParaRPr lang="en-IN" dirty="0"/>
           </a:p>
@@ -19729,12 +20171,30 @@
               <a:t>Class 7: </a:t>
             </a:r>
             <a:r>
-              <a:rPr lang="en-US" b="1" dirty="0"/>
+              <a:rPr lang="en-US" b="1" dirty="0">
+                <a:solidFill>
+                  <a:srgbClr val="FF0000"/>
+                </a:solidFill>
+                <a:highlight>
+                  <a:srgbClr val="FFFF00"/>
+                </a:highlight>
+              </a:rPr>
               <a:t>Multiple gateways may be present</a:t>
             </a:r>
             <a:r>
+              <a:rPr lang="en-US" dirty="0">
+                <a:solidFill>
+                  <a:srgbClr val="FF0000"/>
+                </a:solidFill>
+                <a:highlight>
+                  <a:srgbClr val="FFFF00"/>
+                </a:highlight>
+              </a:rPr>
+              <a:t>; the configuration is such that the nodes should be reachable through any of the gateways. </a:t>
+            </a:r>
+            <a:r>
               <a:rPr lang="en-US" dirty="0"/>
-              <a:t>; the configuration is such that the nodes should be reachable through any of the gateways. Typically, organizational IoT deployments follow this class of configuration. The concept of </a:t>
+              <a:t>Typically, organizational IoT deployments follow this class of configuration. The concept of </a:t>
             </a:r>
             <a:r>
               <a:rPr lang="en-US" b="1" dirty="0"/>
@@ -20185,8 +20645,34 @@
               <a:t>) Global Prefix Changes: </a:t>
             </a:r>
             <a:r>
+              <a:rPr lang="en-US" dirty="0">
+                <a:solidFill>
+                  <a:srgbClr val="FF0000"/>
+                </a:solidFill>
+                <a:highlight>
+                  <a:srgbClr val="FFFF00"/>
+                </a:highlight>
+              </a:rPr>
+              <a:t>abstracts the addressing strategy </a:t>
+            </a:r>
+            <a:r>
               <a:rPr lang="en-US" dirty="0"/>
-              <a:t>abstracts the addressing strategy using global prefix changes. A node from the left LAN moves to the LAN on the right. The node undergoing movement is highlighted in the figure. The nodes in the first LAN have the prefix A, which changes to B under the domain of the new gateway overseeing the operation of nodes in the new LAN</a:t>
+              <a:t>using global prefix changes. </a:t>
+            </a:r>
+            <a:r>
+              <a:rPr lang="en-US" dirty="0">
+                <a:solidFill>
+                  <a:srgbClr val="FF0000"/>
+                </a:solidFill>
+                <a:highlight>
+                  <a:srgbClr val="FFFF00"/>
+                </a:highlight>
+              </a:rPr>
+              <a:t>A node from the left LAN moves to the LAN on the right</a:t>
+            </a:r>
+            <a:r>
+              <a:rPr lang="en-US" dirty="0"/>
+              <a:t>. The node undergoing movement is highlighted in the figure. The nodes in the first LAN have the prefix A, which changes to B under the domain of the new gateway overseeing the operation of nodes in the new LAN</a:t>
             </a:r>
             <a:endParaRPr lang="en-IN" dirty="0"/>
           </a:p>
@@ -20531,7 +21017,22 @@
             </a:r>
             <a:r>
               <a:rPr lang="en-US" dirty="0"/>
-              <a:t>: Figure 4.12(b) abstracts the addressing strategy for prefix changes within WANs. In case the WAN changes its global prefix, the network entities underneath it must be resilient to change and function normally. The address allocation is hence delegated to entities such as gateways and proxies, which make use of ULAs to manage the network within the WA</a:t>
+              <a:t>: Figure 4.12(b) abstracts the addressing strategy for prefix changes within WANs. In case the </a:t>
+            </a:r>
+            <a:r>
+              <a:rPr lang="en-US" dirty="0">
+                <a:solidFill>
+                  <a:srgbClr val="FF0000"/>
+                </a:solidFill>
+                <a:highlight>
+                  <a:srgbClr val="FFFF00"/>
+                </a:highlight>
+              </a:rPr>
+              <a:t>WAN changes its global prefix</a:t>
+            </a:r>
+            <a:r>
+              <a:rPr lang="en-US" dirty="0"/>
+              <a:t>, the network entities underneath it must be resilient to change and function normally. The address allocation is hence delegated to entities such as gateways and proxies, which make use of ULAs to manage the network within the WA</a:t>
             </a:r>
             <a:endParaRPr lang="en-IN" dirty="0"/>
           </a:p>
@@ -20872,7 +21373,22 @@
             </a:r>
             <a:r>
               <a:rPr lang="en-US" dirty="0"/>
-              <a:t>This is applicable in certain cases which require that the IoT node’s global addresses are maintained and not affected by its mobility or even the change in network prefixes. Even if the node’s original network’s (LAN) prefix changes from A to B, the node’s global address remains immune to this change</a:t>
+              <a:t>This is applicable in certain cases </a:t>
+            </a:r>
+            <a:r>
+              <a:rPr lang="en-US" dirty="0">
+                <a:solidFill>
+                  <a:srgbClr val="FF0000"/>
+                </a:solidFill>
+                <a:highlight>
+                  <a:srgbClr val="FFFF00"/>
+                </a:highlight>
+              </a:rPr>
+              <a:t>which require that the IoT node’s global addresses are maintained and not affected by its mobility or even the change in network prefixes. </a:t>
+            </a:r>
+            <a:r>
+              <a:rPr lang="en-US" dirty="0"/>
+              <a:t>Even if the node’s original network’s (LAN) prefix changes from A to B, the node’s global address remains immune to this change</a:t>
             </a:r>
             <a:endParaRPr lang="en-IN" dirty="0"/>
           </a:p>
